--- a/docs/Presentation.pptx
+++ b/docs/Presentation.pptx
@@ -111,6 +111,11 @@
       </a:defRPr>
     </a:lvl9pPr>
   </p:defaultTextStyle>
+  <p:extLst>
+    <p:ext uri="{EFAFB233-063F-42B5-8137-9DF3F51BA10A}">
+      <p15:sldGuideLst xmlns:p15="http://schemas.microsoft.com/office/powerpoint/2012/main"/>
+    </p:ext>
+  </p:extLst>
 </p:presentation>
 </file>
 
@@ -283,7 +288,7 @@
           <a:p>
             <a:fld id="{5BBB51AB-9D48-4612-8F79-445DFEE3CC25}" type="datetimeFigureOut">
               <a:rPr lang="en-US" smtClean="0"/>
-              <a:t>10/25/2016</a:t>
+              <a:t>10/28/2016</a:t>
             </a:fld>
             <a:endParaRPr lang="en-US"/>
           </a:p>
@@ -613,7 +618,7 @@
           <a:p>
             <a:fld id="{5BBB51AB-9D48-4612-8F79-445DFEE3CC25}" type="datetimeFigureOut">
               <a:rPr lang="en-US" smtClean="0"/>
-              <a:t>10/25/2016</a:t>
+              <a:t>10/28/2016</a:t>
             </a:fld>
             <a:endParaRPr lang="en-US"/>
           </a:p>
@@ -793,7 +798,7 @@
           <a:p>
             <a:fld id="{5BBB51AB-9D48-4612-8F79-445DFEE3CC25}" type="datetimeFigureOut">
               <a:rPr lang="en-US" smtClean="0"/>
-              <a:t>10/25/2016</a:t>
+              <a:t>10/28/2016</a:t>
             </a:fld>
             <a:endParaRPr lang="en-US"/>
           </a:p>
@@ -963,7 +968,7 @@
           <a:p>
             <a:fld id="{5BBB51AB-9D48-4612-8F79-445DFEE3CC25}" type="datetimeFigureOut">
               <a:rPr lang="en-US" smtClean="0"/>
-              <a:t>10/25/2016</a:t>
+              <a:t>10/28/2016</a:t>
             </a:fld>
             <a:endParaRPr lang="en-US"/>
           </a:p>
@@ -1240,7 +1245,7 @@
           <a:p>
             <a:fld id="{5BBB51AB-9D48-4612-8F79-445DFEE3CC25}" type="datetimeFigureOut">
               <a:rPr lang="en-US" smtClean="0"/>
-              <a:t>10/25/2016</a:t>
+              <a:t>10/28/2016</a:t>
             </a:fld>
             <a:endParaRPr lang="en-US"/>
           </a:p>
@@ -1634,7 +1639,7 @@
           <a:p>
             <a:fld id="{5BBB51AB-9D48-4612-8F79-445DFEE3CC25}" type="datetimeFigureOut">
               <a:rPr lang="en-US" smtClean="0"/>
-              <a:t>10/25/2016</a:t>
+              <a:t>10/28/2016</a:t>
             </a:fld>
             <a:endParaRPr lang="en-US"/>
           </a:p>
@@ -2111,7 +2116,7 @@
           <a:p>
             <a:fld id="{5BBB51AB-9D48-4612-8F79-445DFEE3CC25}" type="datetimeFigureOut">
               <a:rPr lang="en-US" smtClean="0"/>
-              <a:t>10/25/2016</a:t>
+              <a:t>10/28/2016</a:t>
             </a:fld>
             <a:endParaRPr lang="en-US"/>
           </a:p>
@@ -2229,7 +2234,7 @@
           <a:p>
             <a:fld id="{5BBB51AB-9D48-4612-8F79-445DFEE3CC25}" type="datetimeFigureOut">
               <a:rPr lang="en-US" smtClean="0"/>
-              <a:t>10/25/2016</a:t>
+              <a:t>10/28/2016</a:t>
             </a:fld>
             <a:endParaRPr lang="en-US"/>
           </a:p>
@@ -2324,7 +2329,7 @@
           <a:p>
             <a:fld id="{5BBB51AB-9D48-4612-8F79-445DFEE3CC25}" type="datetimeFigureOut">
               <a:rPr lang="en-US" smtClean="0"/>
-              <a:t>10/25/2016</a:t>
+              <a:t>10/28/2016</a:t>
             </a:fld>
             <a:endParaRPr lang="en-US"/>
           </a:p>
@@ -2670,7 +2675,7 @@
           <a:p>
             <a:fld id="{5BBB51AB-9D48-4612-8F79-445DFEE3CC25}" type="datetimeFigureOut">
               <a:rPr lang="en-US" smtClean="0"/>
-              <a:t>10/25/2016</a:t>
+              <a:t>10/28/2016</a:t>
             </a:fld>
             <a:endParaRPr lang="en-US"/>
           </a:p>
@@ -3058,7 +3063,7 @@
           <a:p>
             <a:fld id="{5BBB51AB-9D48-4612-8F79-445DFEE3CC25}" type="datetimeFigureOut">
               <a:rPr lang="en-US" smtClean="0"/>
-              <a:t>10/25/2016</a:t>
+              <a:t>10/28/2016</a:t>
             </a:fld>
             <a:endParaRPr lang="en-US"/>
           </a:p>
@@ -3336,7 +3341,7 @@
           <a:p>
             <a:fld id="{5BBB51AB-9D48-4612-8F79-445DFEE3CC25}" type="datetimeFigureOut">
               <a:rPr lang="en-US" smtClean="0"/>
-              <a:t>10/25/2016</a:t>
+              <a:t>10/28/2016</a:t>
             </a:fld>
             <a:endParaRPr lang="en-US"/>
           </a:p>
@@ -3785,42 +3790,42 @@
   <p:extLst mod="1">
     <p:ext uri="{27BBF7A9-308A-43DC-89C8-2F10F3537804}">
       <p15:sldGuideLst xmlns:p15="http://schemas.microsoft.com/office/powerpoint/2012/main">
-        <p15:guide id="4294967295" orient="horz" pos="1368">
+        <p15:guide id="1" orient="horz" pos="1368">
           <p15:clr>
             <a:srgbClr val="F26B43"/>
           </p15:clr>
         </p15:guide>
-        <p15:guide id="4294967295" orient="horz" pos="1440">
+        <p15:guide id="2" orient="horz" pos="1440">
           <p15:clr>
             <a:srgbClr val="F26B43"/>
           </p15:clr>
         </p15:guide>
-        <p15:guide id="4294967295" orient="horz" pos="3696">
+        <p15:guide id="3" orient="horz" pos="3696">
           <p15:clr>
             <a:srgbClr val="F26B43"/>
           </p15:clr>
         </p15:guide>
-        <p15:guide id="4294967295" orient="horz" pos="432">
+        <p15:guide id="4" orient="horz" pos="432">
           <p15:clr>
             <a:srgbClr val="F26B43"/>
           </p15:clr>
         </p15:guide>
-        <p15:guide id="4294967295" orient="horz" pos="1512">
+        <p15:guide id="5" orient="horz" pos="1512">
           <p15:clr>
             <a:srgbClr val="F26B43"/>
           </p15:clr>
         </p15:guide>
-        <p15:guide id="4294967295" pos="6912">
+        <p15:guide id="6" pos="6912">
           <p15:clr>
             <a:srgbClr val="F26B43"/>
           </p15:clr>
         </p15:guide>
-        <p15:guide id="4294967295" pos="936">
+        <p15:guide id="7" pos="936">
           <p15:clr>
             <a:srgbClr val="F26B43"/>
           </p15:clr>
         </p15:guide>
-        <p15:guide id="4294967295" pos="864">
+        <p15:guide id="8" pos="864">
           <p15:clr>
             <a:srgbClr val="F26B43"/>
           </p15:clr>
@@ -3865,9 +3870,35 @@
           <a:p>
             <a:r>
               <a:rPr lang="en-US" dirty="0" smtClean="0"/>
-              <a:t>CUNY Books	</a:t>
-            </a:r>
-            <a:endParaRPr lang="en-US" dirty="0"/>
+              <a:t>CUNY </a:t>
+            </a:r>
+            <a:r>
+              <a:rPr lang="en-US" dirty="0"/>
+              <a:t>Books</a:t>
+            </a:r>
+            <a:br>
+              <a:rPr lang="en-US" dirty="0"/>
+            </a:br>
+            <a:r>
+              <a:rPr lang="en-US" sz="1800" dirty="0" smtClean="0">
+                <a:hlinkClick r:id="rId2"/>
+              </a:rPr>
+              <a:t>https://github.com/Asefaw/cuny-books</a:t>
+            </a:r>
+            <a:r>
+              <a:rPr lang="en-US" sz="1800" dirty="0" smtClean="0">
+                <a:hlinkClick r:id="rId2"/>
+              </a:rPr>
+              <a:t>	</a:t>
+            </a:r>
+            <a:r>
+              <a:rPr lang="en-US" sz="1800" dirty="0" smtClean="0"/>
+              <a:t/>
+            </a:r>
+            <a:br>
+              <a:rPr lang="en-US" sz="1800" dirty="0" smtClean="0"/>
+            </a:br>
+            <a:endParaRPr lang="en-US" sz="1800" dirty="0"/>
           </a:p>
         </p:txBody>
       </p:sp>
@@ -4220,7 +4251,11 @@
             <a:pPr lvl="2"/>
             <a:r>
               <a:rPr lang="en-US" dirty="0" smtClean="0"/>
-              <a:t>User, Book</a:t>
+              <a:t>User, </a:t>
+            </a:r>
+            <a:r>
+              <a:rPr lang="en-US" dirty="0" smtClean="0"/>
+              <a:t>Book, Transaction, Cart</a:t>
             </a:r>
             <a:endParaRPr lang="en-US" dirty="0"/>
           </a:p>
@@ -4235,7 +4270,11 @@
             <a:pPr lvl="2"/>
             <a:r>
               <a:rPr lang="en-US" dirty="0" smtClean="0"/>
-              <a:t>Users, Books, Login / Logout</a:t>
+              <a:t>Users, Books, Login / </a:t>
+            </a:r>
+            <a:r>
+              <a:rPr lang="en-US" dirty="0" smtClean="0"/>
+              <a:t>Logout, carts, checkout</a:t>
             </a:r>
             <a:endParaRPr lang="en-US" dirty="0"/>
           </a:p>
@@ -4489,8 +4528,50 @@
           <a:p>
             <a:r>
               <a:rPr lang="en-US" dirty="0" smtClean="0"/>
-              <a:t>Implement Payment Checkout method</a:t>
-            </a:r>
+              <a:t>Implement Payment Checkout </a:t>
+            </a:r>
+            <a:r>
+              <a:rPr lang="en-US" dirty="0" smtClean="0"/>
+              <a:t>method</a:t>
+            </a:r>
+          </a:p>
+          <a:p>
+            <a:pPr marL="0" indent="0">
+              <a:buNone/>
+            </a:pPr>
+            <a:endParaRPr lang="en-US" dirty="0"/>
+          </a:p>
+          <a:p>
+            <a:pPr marL="0" indent="0">
+              <a:buNone/>
+            </a:pPr>
+            <a:r>
+              <a:rPr lang="en-US" dirty="0" smtClean="0"/>
+              <a:t>Link to Project</a:t>
+            </a:r>
+          </a:p>
+          <a:p>
+            <a:pPr marL="0" indent="0">
+              <a:buNone/>
+            </a:pPr>
+            <a:r>
+              <a:rPr lang="en-US" dirty="0">
+                <a:hlinkClick r:id="rId2"/>
+              </a:rPr>
+              <a:t>https://</a:t>
+            </a:r>
+            <a:r>
+              <a:rPr lang="en-US" dirty="0" smtClean="0">
+                <a:hlinkClick r:id="rId2"/>
+              </a:rPr>
+              <a:t>github.com/Asefaw/cuny-books</a:t>
+            </a:r>
+            <a:endParaRPr lang="en-US" dirty="0" smtClean="0"/>
+          </a:p>
+          <a:p>
+            <a:pPr marL="0" indent="0">
+              <a:buNone/>
+            </a:pPr>
             <a:endParaRPr lang="en-US" dirty="0"/>
           </a:p>
         </p:txBody>
